--- a/presentation/Genetic Algorithm Portfolio Optimization with Stock Return Comparison.pptx
+++ b/presentation/Genetic Algorithm Portfolio Optimization with Stock Return Comparison.pptx
@@ -13,7 +13,7 @@
     <p:sldId id="258" r:id="rId4"/>
     <p:sldId id="259" r:id="rId5"/>
     <p:sldId id="260" r:id="rId6"/>
-    <p:sldId id="261" r:id="rId7"/>
+    <p:sldId id="263" r:id="rId7"/>
     <p:sldId id="262" r:id="rId8"/>
   </p:sldIdLst>
   <p:sldSz cx="12192000" cy="6858000"/>
@@ -113,13 +113,18 @@
       </a:defRPr>
     </a:lvl9pPr>
   </p:defaultTextStyle>
+  <p:extLst>
+    <p:ext uri="{EFAFB233-063F-42B5-8137-9DF3F51BA10A}">
+      <p15:sldGuideLst xmlns:p15="http://schemas.microsoft.com/office/powerpoint/2012/main"/>
+    </p:ext>
+  </p:extLst>
 </p:presentation>
 </file>
 
 <file path=ppt/revisionInfo.xml><?xml version="1.0" encoding="utf-8"?>
 <p1510:revInfo xmlns:a="http://schemas.openxmlformats.org/drawingml/2006/main" xmlns:r="http://schemas.openxmlformats.org/officeDocument/2006/relationships" xmlns:p1510="http://schemas.microsoft.com/office/powerpoint/2015/10/main">
   <p1510:revLst>
-    <p1510:client id="{F43275E8-E253-4548-9395-BA6B702FE060}" v="28" dt="2022-12-13T02:47:42.340"/>
+    <p1510:client id="{F43275E8-E253-4548-9395-BA6B702FE060}" v="55" dt="2022-12-14T01:15:56.990"/>
   </p1510:revLst>
 </p1510:revInfo>
 </file>
@@ -128,13 +133,43 @@
 <pc:chgInfo xmlns:a="http://schemas.openxmlformats.org/drawingml/2006/main" xmlns:r="http://schemas.openxmlformats.org/officeDocument/2006/relationships" xmlns:ac="http://schemas.microsoft.com/office/drawing/2013/main/command" xmlns:pc="http://schemas.microsoft.com/office/powerpoint/2013/main/command">
   <pc:docChgLst>
     <pc:chgData name="Matheus Nogueira" userId="3ffbdc37af4c2ab0" providerId="LiveId" clId="{F43275E8-E253-4548-9395-BA6B702FE060}"/>
-    <pc:docChg chg="modSld">
-      <pc:chgData name="Matheus Nogueira" userId="3ffbdc37af4c2ab0" providerId="LiveId" clId="{F43275E8-E253-4548-9395-BA6B702FE060}" dt="2022-12-13T02:47:42.340" v="27" actId="20577"/>
+    <pc:docChg chg="custSel addSld delSld modSld">
+      <pc:chgData name="Matheus Nogueira" userId="3ffbdc37af4c2ab0" providerId="LiveId" clId="{F43275E8-E253-4548-9395-BA6B702FE060}" dt="2022-12-14T01:16:08.634" v="162" actId="20577"/>
       <pc:docMkLst>
         <pc:docMk/>
       </pc:docMkLst>
+      <pc:sldChg chg="modSp mod">
+        <pc:chgData name="Matheus Nogueira" userId="3ffbdc37af4c2ab0" providerId="LiveId" clId="{F43275E8-E253-4548-9395-BA6B702FE060}" dt="2022-12-13T20:06:23.758" v="36" actId="20577"/>
+        <pc:sldMkLst>
+          <pc:docMk/>
+          <pc:sldMk cId="3548409475" sldId="256"/>
+        </pc:sldMkLst>
+        <pc:spChg chg="mod">
+          <ac:chgData name="Matheus Nogueira" userId="3ffbdc37af4c2ab0" providerId="LiveId" clId="{F43275E8-E253-4548-9395-BA6B702FE060}" dt="2022-12-13T20:06:23.758" v="36" actId="20577"/>
+          <ac:spMkLst>
+            <pc:docMk/>
+            <pc:sldMk cId="3548409475" sldId="256"/>
+            <ac:spMk id="2" creationId="{33464767-2F13-FBFB-1B18-B3375BF812C8}"/>
+          </ac:spMkLst>
+        </pc:spChg>
+      </pc:sldChg>
       <pc:sldChg chg="modSp modAnim">
-        <pc:chgData name="Matheus Nogueira" userId="3ffbdc37af4c2ab0" providerId="LiveId" clId="{F43275E8-E253-4548-9395-BA6B702FE060}" dt="2022-12-13T02:47:42.340" v="27" actId="20577"/>
+        <pc:chgData name="Matheus Nogueira" userId="3ffbdc37af4c2ab0" providerId="LiveId" clId="{F43275E8-E253-4548-9395-BA6B702FE060}" dt="2022-12-14T01:15:56.990" v="161" actId="20577"/>
+        <pc:sldMkLst>
+          <pc:docMk/>
+          <pc:sldMk cId="2403749947" sldId="257"/>
+        </pc:sldMkLst>
+        <pc:spChg chg="mod">
+          <ac:chgData name="Matheus Nogueira" userId="3ffbdc37af4c2ab0" providerId="LiveId" clId="{F43275E8-E253-4548-9395-BA6B702FE060}" dt="2022-12-14T01:15:56.990" v="161" actId="20577"/>
+          <ac:spMkLst>
+            <pc:docMk/>
+            <pc:sldMk cId="2403749947" sldId="257"/>
+            <ac:spMk id="3" creationId="{E2DE45CF-AFD0-55D8-ACE5-09BD72CA183C}"/>
+          </ac:spMkLst>
+        </pc:spChg>
+      </pc:sldChg>
+      <pc:sldChg chg="modSp modAnim">
+        <pc:chgData name="Matheus Nogueira" userId="3ffbdc37af4c2ab0" providerId="LiveId" clId="{F43275E8-E253-4548-9395-BA6B702FE060}" dt="2022-12-13T20:09:55.427" v="58"/>
         <pc:sldMkLst>
           <pc:docMk/>
           <pc:sldMk cId="4028310639" sldId="258"/>
@@ -148,18 +183,127 @@
           </ac:spMkLst>
         </pc:spChg>
       </pc:sldChg>
-      <pc:sldChg chg="modAnim">
-        <pc:chgData name="Matheus Nogueira" userId="3ffbdc37af4c2ab0" providerId="LiveId" clId="{F43275E8-E253-4548-9395-BA6B702FE060}" dt="2022-12-13T02:45:22.925" v="1"/>
+      <pc:sldChg chg="modSp mod modAnim">
+        <pc:chgData name="Matheus Nogueira" userId="3ffbdc37af4c2ab0" providerId="LiveId" clId="{F43275E8-E253-4548-9395-BA6B702FE060}" dt="2022-12-14T01:16:08.634" v="162" actId="20577"/>
         <pc:sldMkLst>
           <pc:docMk/>
           <pc:sldMk cId="4126297419" sldId="259"/>
         </pc:sldMkLst>
+        <pc:spChg chg="mod">
+          <ac:chgData name="Matheus Nogueira" userId="3ffbdc37af4c2ab0" providerId="LiveId" clId="{F43275E8-E253-4548-9395-BA6B702FE060}" dt="2022-12-14T01:16:08.634" v="162" actId="20577"/>
+          <ac:spMkLst>
+            <pc:docMk/>
+            <pc:sldMk cId="4126297419" sldId="259"/>
+            <ac:spMk id="3" creationId="{E2DE45CF-AFD0-55D8-ACE5-09BD72CA183C}"/>
+          </ac:spMkLst>
+        </pc:spChg>
+        <pc:spChg chg="mod">
+          <ac:chgData name="Matheus Nogueira" userId="3ffbdc37af4c2ab0" providerId="LiveId" clId="{F43275E8-E253-4548-9395-BA6B702FE060}" dt="2022-12-13T20:13:50.610" v="59" actId="20577"/>
+          <ac:spMkLst>
+            <pc:docMk/>
+            <pc:sldMk cId="4126297419" sldId="259"/>
+            <ac:spMk id="5" creationId="{0A913C70-2BAF-B33B-5B11-4F3D8F2C77D8}"/>
+          </ac:spMkLst>
+        </pc:spChg>
+      </pc:sldChg>
+      <pc:sldChg chg="addSp delSp modSp mod">
+        <pc:chgData name="Matheus Nogueira" userId="3ffbdc37af4c2ab0" providerId="LiveId" clId="{F43275E8-E253-4548-9395-BA6B702FE060}" dt="2022-12-14T00:11:47.479" v="160" actId="1076"/>
+        <pc:sldMkLst>
+          <pc:docMk/>
+          <pc:sldMk cId="2051542408" sldId="260"/>
+        </pc:sldMkLst>
+        <pc:spChg chg="mod">
+          <ac:chgData name="Matheus Nogueira" userId="3ffbdc37af4c2ab0" providerId="LiveId" clId="{F43275E8-E253-4548-9395-BA6B702FE060}" dt="2022-12-14T00:08:58.434" v="148" actId="20577"/>
+          <ac:spMkLst>
+            <pc:docMk/>
+            <pc:sldMk cId="2051542408" sldId="260"/>
+            <ac:spMk id="2" creationId="{A8E020B3-5F01-2FD9-F4B1-193746E154E0}"/>
+          </ac:spMkLst>
+        </pc:spChg>
+        <pc:spChg chg="mod">
+          <ac:chgData name="Matheus Nogueira" userId="3ffbdc37af4c2ab0" providerId="LiveId" clId="{F43275E8-E253-4548-9395-BA6B702FE060}" dt="2022-12-14T00:08:13.728" v="89" actId="20577"/>
+          <ac:spMkLst>
+            <pc:docMk/>
+            <pc:sldMk cId="2051542408" sldId="260"/>
+            <ac:spMk id="3" creationId="{E2DE45CF-AFD0-55D8-ACE5-09BD72CA183C}"/>
+          </ac:spMkLst>
+        </pc:spChg>
+        <pc:spChg chg="mod">
+          <ac:chgData name="Matheus Nogueira" userId="3ffbdc37af4c2ab0" providerId="LiveId" clId="{F43275E8-E253-4548-9395-BA6B702FE060}" dt="2022-12-14T00:08:23.984" v="98" actId="20577"/>
+          <ac:spMkLst>
+            <pc:docMk/>
+            <pc:sldMk cId="2051542408" sldId="260"/>
+            <ac:spMk id="5" creationId="{0A913C70-2BAF-B33B-5B11-4F3D8F2C77D8}"/>
+          </ac:spMkLst>
+        </pc:spChg>
+        <pc:picChg chg="add del mod">
+          <ac:chgData name="Matheus Nogueira" userId="3ffbdc37af4c2ab0" providerId="LiveId" clId="{F43275E8-E253-4548-9395-BA6B702FE060}" dt="2022-12-14T00:10:51.112" v="150" actId="478"/>
+          <ac:picMkLst>
+            <pc:docMk/>
+            <pc:sldMk cId="2051542408" sldId="260"/>
+            <ac:picMk id="6" creationId="{1B51B641-6514-8D2A-45A9-7125AF14D017}"/>
+          </ac:picMkLst>
+        </pc:picChg>
+        <pc:picChg chg="del">
+          <ac:chgData name="Matheus Nogueira" userId="3ffbdc37af4c2ab0" providerId="LiveId" clId="{F43275E8-E253-4548-9395-BA6B702FE060}" dt="2022-12-14T00:07:59.763" v="60" actId="478"/>
+          <ac:picMkLst>
+            <pc:docMk/>
+            <pc:sldMk cId="2051542408" sldId="260"/>
+            <ac:picMk id="8" creationId="{A875C5A2-062F-5026-A761-B49E0DA2B0EC}"/>
+          </ac:picMkLst>
+        </pc:picChg>
+        <pc:picChg chg="del mod">
+          <ac:chgData name="Matheus Nogueira" userId="3ffbdc37af4c2ab0" providerId="LiveId" clId="{F43275E8-E253-4548-9395-BA6B702FE060}" dt="2022-12-14T00:10:50.278" v="149" actId="478"/>
+          <ac:picMkLst>
+            <pc:docMk/>
+            <pc:sldMk cId="2051542408" sldId="260"/>
+            <ac:picMk id="10" creationId="{2CAF5C09-560A-7689-71E0-17086F99A84B}"/>
+          </ac:picMkLst>
+        </pc:picChg>
+        <pc:picChg chg="add mod">
+          <ac:chgData name="Matheus Nogueira" userId="3ffbdc37af4c2ab0" providerId="LiveId" clId="{F43275E8-E253-4548-9395-BA6B702FE060}" dt="2022-12-14T00:11:40.219" v="159" actId="1076"/>
+          <ac:picMkLst>
+            <pc:docMk/>
+            <pc:sldMk cId="2051542408" sldId="260"/>
+            <ac:picMk id="11" creationId="{1791A010-57CF-EDFB-E162-B03F4131499C}"/>
+          </ac:picMkLst>
+        </pc:picChg>
+        <pc:picChg chg="add mod">
+          <ac:chgData name="Matheus Nogueira" userId="3ffbdc37af4c2ab0" providerId="LiveId" clId="{F43275E8-E253-4548-9395-BA6B702FE060}" dt="2022-12-14T00:11:47.479" v="160" actId="1076"/>
+          <ac:picMkLst>
+            <pc:docMk/>
+            <pc:sldMk cId="2051542408" sldId="260"/>
+            <ac:picMk id="13" creationId="{400A1CAE-E3A2-732C-F7C4-D53AFFFFD2E1}"/>
+          </ac:picMkLst>
+        </pc:picChg>
+      </pc:sldChg>
+      <pc:sldChg chg="delSp del mod">
+        <pc:chgData name="Matheus Nogueira" userId="3ffbdc37af4c2ab0" providerId="LiveId" clId="{F43275E8-E253-4548-9395-BA6B702FE060}" dt="2022-12-14T00:08:49.520" v="130" actId="47"/>
+        <pc:sldMkLst>
+          <pc:docMk/>
+          <pc:sldMk cId="1614598831" sldId="261"/>
+        </pc:sldMkLst>
+        <pc:picChg chg="del">
+          <ac:chgData name="Matheus Nogueira" userId="3ffbdc37af4c2ab0" providerId="LiveId" clId="{F43275E8-E253-4548-9395-BA6B702FE060}" dt="2022-12-14T00:08:27.450" v="99" actId="21"/>
+          <ac:picMkLst>
+            <pc:docMk/>
+            <pc:sldMk cId="1614598831" sldId="261"/>
+            <ac:picMk id="12" creationId="{B6B79DBE-A52F-883A-882A-530270269A9F}"/>
+          </ac:picMkLst>
+        </pc:picChg>
       </pc:sldChg>
       <pc:sldChg chg="modAnim">
         <pc:chgData name="Matheus Nogueira" userId="3ffbdc37af4c2ab0" providerId="LiveId" clId="{F43275E8-E253-4548-9395-BA6B702FE060}" dt="2022-12-13T02:46:03.387" v="9"/>
         <pc:sldMkLst>
           <pc:docMk/>
           <pc:sldMk cId="2849735928" sldId="262"/>
+        </pc:sldMkLst>
+      </pc:sldChg>
+      <pc:sldChg chg="add">
+        <pc:chgData name="Matheus Nogueira" userId="3ffbdc37af4c2ab0" providerId="LiveId" clId="{F43275E8-E253-4548-9395-BA6B702FE060}" dt="2022-12-14T00:08:51.114" v="131"/>
+        <pc:sldMkLst>
+          <pc:docMk/>
+          <pc:sldMk cId="2455147742" sldId="263"/>
         </pc:sldMkLst>
       </pc:sldChg>
     </pc:docChg>
@@ -249,7 +393,7 @@
           <a:p>
             <a:fld id="{E12E614C-111B-4F14-BBA6-6C5062BEF985}" type="datetimeFigureOut">
               <a:rPr lang="en-US" smtClean="0"/>
-              <a:t>12/12/2022</a:t>
+              <a:t>12/13/2022</a:t>
             </a:fld>
             <a:endParaRPr lang="en-US"/>
           </a:p>
@@ -743,7 +887,7 @@
           <a:p>
             <a:fld id="{64BBFFCD-5DF3-448B-A1DA-690102E514F3}" type="datetime1">
               <a:rPr lang="en-US" smtClean="0"/>
-              <a:t>12/12/2022</a:t>
+              <a:t>12/13/2022</a:t>
             </a:fld>
             <a:endParaRPr lang="en-US"/>
           </a:p>
@@ -951,7 +1095,7 @@
           <a:p>
             <a:fld id="{037AF830-2C32-4288-89F3-D1850422F5B9}" type="datetime1">
               <a:rPr lang="en-US" smtClean="0"/>
-              <a:t>12/12/2022</a:t>
+              <a:t>12/13/2022</a:t>
             </a:fld>
             <a:endParaRPr lang="en-US"/>
           </a:p>
@@ -1207,7 +1351,7 @@
           <a:p>
             <a:fld id="{45B514C3-8C5C-49D9-89A1-BF79BA9364F2}" type="datetime1">
               <a:rPr lang="en-US" smtClean="0"/>
-              <a:t>12/12/2022</a:t>
+              <a:t>12/13/2022</a:t>
             </a:fld>
             <a:endParaRPr lang="en-US"/>
           </a:p>
@@ -1381,7 +1525,7 @@
           <a:p>
             <a:fld id="{C27EA5D1-949F-4805-8697-DF7754EAADE0}" type="datetime1">
               <a:rPr lang="en-US" smtClean="0"/>
-              <a:t>12/12/2022</a:t>
+              <a:t>12/13/2022</a:t>
             </a:fld>
             <a:endParaRPr lang="en-US"/>
           </a:p>
@@ -1724,7 +1868,7 @@
           <a:p>
             <a:fld id="{4E7812A6-D90B-46A5-BD91-B7DD7D4C5FE1}" type="datetime1">
               <a:rPr lang="en-US" smtClean="0"/>
-              <a:t>12/12/2022</a:t>
+              <a:t>12/13/2022</a:t>
             </a:fld>
             <a:endParaRPr lang="en-US"/>
           </a:p>
@@ -1999,7 +2143,7 @@
           <a:p>
             <a:fld id="{60048774-958A-4BA9-98A0-C5010DE561A6}" type="datetime1">
               <a:rPr lang="en-US" smtClean="0"/>
-              <a:t>12/12/2022</a:t>
+              <a:t>12/13/2022</a:t>
             </a:fld>
             <a:endParaRPr lang="en-US"/>
           </a:p>
@@ -2378,7 +2522,7 @@
           <a:p>
             <a:fld id="{C82A8878-7F7C-4463-90C9-2B16C5772EDC}" type="datetime1">
               <a:rPr lang="en-US" smtClean="0"/>
-              <a:t>12/12/2022</a:t>
+              <a:t>12/13/2022</a:t>
             </a:fld>
             <a:endParaRPr lang="en-US"/>
           </a:p>
@@ -2496,7 +2640,7 @@
           <a:p>
             <a:fld id="{91884613-B670-49A0-A203-610A80DB3008}" type="datetime1">
               <a:rPr lang="en-US" smtClean="0"/>
-              <a:t>12/12/2022</a:t>
+              <a:t>12/13/2022</a:t>
             </a:fld>
             <a:endParaRPr lang="en-US"/>
           </a:p>
@@ -2667,7 +2811,7 @@
           <a:p>
             <a:fld id="{D33D67F0-AB98-4366-AB95-158E416FCE77}" type="datetime1">
               <a:rPr lang="en-US" smtClean="0"/>
-              <a:t>12/12/2022</a:t>
+              <a:t>12/13/2022</a:t>
             </a:fld>
             <a:endParaRPr lang="en-US"/>
           </a:p>
@@ -3021,7 +3165,7 @@
           <a:p>
             <a:fld id="{4D95845F-29E2-483D-9C50-692A083742E4}" type="datetime1">
               <a:rPr lang="en-US" smtClean="0"/>
-              <a:t>12/12/2022</a:t>
+              <a:t>12/13/2022</a:t>
             </a:fld>
             <a:endParaRPr lang="en-US"/>
           </a:p>
@@ -3403,7 +3547,7 @@
           <a:p>
             <a:fld id="{49266712-27F1-4E05-BC34-6D40E70BB41C}" type="datetime1">
               <a:rPr lang="en-US" smtClean="0"/>
-              <a:t>12/12/2022</a:t>
+              <a:t>12/13/2022</a:t>
             </a:fld>
             <a:endParaRPr lang="en-US"/>
           </a:p>
@@ -3690,7 +3834,7 @@
           <a:p>
             <a:fld id="{9FF18880-10F9-4CA8-B711-1A08EA9E1E11}" type="datetime1">
               <a:rPr lang="en-US" smtClean="0"/>
-              <a:t>12/12/2022</a:t>
+              <a:t>12/13/2022</a:t>
             </a:fld>
             <a:endParaRPr lang="en-US"/>
           </a:p>
@@ -4246,7 +4390,7 @@
             <a:pPr algn="ctr"/>
             <a:r>
               <a:rPr lang="en-US" sz="6000" b="1" dirty="0"/>
-              <a:t>Genetic Algorithm Portfolio Optimization with Stock Return Comparison</a:t>
+              <a:t>Genetic Algorithm Portfolio Optimization with Stock Return Forecast Comparison</a:t>
             </a:r>
           </a:p>
         </p:txBody>
@@ -4532,7 +4676,7 @@
             </a:r>
             <a:r>
               <a:rPr lang="en-US" dirty="0"/>
-              <a:t> IBOVESPA</a:t>
+              <a:t> BOVESPA</a:t>
             </a:r>
             <a:endParaRPr lang="en-US" i="1" dirty="0"/>
           </a:p>
@@ -4577,6 +4721,85 @@
   <p:clrMapOvr>
     <a:masterClrMapping/>
   </p:clrMapOvr>
+  <p:timing>
+    <p:tnLst>
+      <p:par>
+        <p:cTn id="1" dur="indefinite" restart="never" nodeType="tmRoot">
+          <p:childTnLst>
+            <p:seq concurrent="1" nextAc="seek">
+              <p:cTn id="2" dur="indefinite" nodeType="mainSeq">
+                <p:childTnLst>
+                  <p:par>
+                    <p:cTn id="3" fill="hold">
+                      <p:stCondLst>
+                        <p:cond delay="indefinite"/>
+                      </p:stCondLst>
+                      <p:childTnLst>
+                        <p:par>
+                          <p:cTn id="4" fill="hold">
+                            <p:stCondLst>
+                              <p:cond delay="0"/>
+                            </p:stCondLst>
+                            <p:childTnLst>
+                              <p:par>
+                                <p:cTn id="5" presetID="1" presetClass="entr" presetSubtype="0" fill="hold" nodeType="clickEffect">
+                                  <p:stCondLst>
+                                    <p:cond delay="0"/>
+                                  </p:stCondLst>
+                                  <p:childTnLst>
+                                    <p:set>
+                                      <p:cBhvr>
+                                        <p:cTn id="6" dur="1" fill="hold">
+                                          <p:stCondLst>
+                                            <p:cond delay="0"/>
+                                          </p:stCondLst>
+                                        </p:cTn>
+                                        <p:tgtEl>
+                                          <p:spTgt spid="3">
+                                            <p:txEl>
+                                              <p:pRg st="4" end="4"/>
+                                            </p:txEl>
+                                          </p:spTgt>
+                                        </p:tgtEl>
+                                        <p:attrNameLst>
+                                          <p:attrName>style.visibility</p:attrName>
+                                        </p:attrNameLst>
+                                      </p:cBhvr>
+                                      <p:to>
+                                        <p:strVal val="visible"/>
+                                      </p:to>
+                                    </p:set>
+                                  </p:childTnLst>
+                                </p:cTn>
+                              </p:par>
+                            </p:childTnLst>
+                          </p:cTn>
+                        </p:par>
+                      </p:childTnLst>
+                    </p:cTn>
+                  </p:par>
+                </p:childTnLst>
+              </p:cTn>
+              <p:prevCondLst>
+                <p:cond evt="onPrev" delay="0">
+                  <p:tgtEl>
+                    <p:sldTgt/>
+                  </p:tgtEl>
+                </p:cond>
+              </p:prevCondLst>
+              <p:nextCondLst>
+                <p:cond evt="onNext" delay="0">
+                  <p:tgtEl>
+                    <p:sldTgt/>
+                  </p:tgtEl>
+                </p:cond>
+              </p:nextCondLst>
+            </p:seq>
+          </p:childTnLst>
+        </p:cTn>
+      </p:par>
+    </p:tnLst>
+  </p:timing>
 </p:sld>
 </file>
 
@@ -5502,7 +5725,7 @@
                             </p:stCondLst>
                             <p:childTnLst>
                               <p:par>
-                                <p:cTn id="5" presetID="1" presetClass="entr" presetSubtype="0" fill="hold" grpId="0" nodeType="clickEffect">
+                                <p:cTn id="5" presetID="1" presetClass="entr" presetSubtype="0" fill="hold" nodeType="clickEffect">
                                   <p:stCondLst>
                                     <p:cond delay="0"/>
                                   </p:stCondLst>
@@ -5515,7 +5738,517 @@
                                           </p:stCondLst>
                                         </p:cTn>
                                         <p:tgtEl>
-                                          <p:spTgt spid="5"/>
+                                          <p:spTgt spid="3">
+                                            <p:txEl>
+                                              <p:pRg st="0" end="0"/>
+                                            </p:txEl>
+                                          </p:spTgt>
+                                        </p:tgtEl>
+                                        <p:attrNameLst>
+                                          <p:attrName>style.visibility</p:attrName>
+                                        </p:attrNameLst>
+                                      </p:cBhvr>
+                                      <p:to>
+                                        <p:strVal val="visible"/>
+                                      </p:to>
+                                    </p:set>
+                                  </p:childTnLst>
+                                </p:cTn>
+                              </p:par>
+                            </p:childTnLst>
+                          </p:cTn>
+                        </p:par>
+                      </p:childTnLst>
+                    </p:cTn>
+                  </p:par>
+                  <p:par>
+                    <p:cTn id="7" fill="hold">
+                      <p:stCondLst>
+                        <p:cond delay="indefinite"/>
+                      </p:stCondLst>
+                      <p:childTnLst>
+                        <p:par>
+                          <p:cTn id="8" fill="hold">
+                            <p:stCondLst>
+                              <p:cond delay="0"/>
+                            </p:stCondLst>
+                            <p:childTnLst>
+                              <p:par>
+                                <p:cTn id="9" presetID="1" presetClass="entr" presetSubtype="0" fill="hold" nodeType="clickEffect">
+                                  <p:stCondLst>
+                                    <p:cond delay="0"/>
+                                  </p:stCondLst>
+                                  <p:childTnLst>
+                                    <p:set>
+                                      <p:cBhvr>
+                                        <p:cTn id="10" dur="1" fill="hold">
+                                          <p:stCondLst>
+                                            <p:cond delay="0"/>
+                                          </p:stCondLst>
+                                        </p:cTn>
+                                        <p:tgtEl>
+                                          <p:spTgt spid="3">
+                                            <p:txEl>
+                                              <p:pRg st="1" end="1"/>
+                                            </p:txEl>
+                                          </p:spTgt>
+                                        </p:tgtEl>
+                                        <p:attrNameLst>
+                                          <p:attrName>style.visibility</p:attrName>
+                                        </p:attrNameLst>
+                                      </p:cBhvr>
+                                      <p:to>
+                                        <p:strVal val="visible"/>
+                                      </p:to>
+                                    </p:set>
+                                  </p:childTnLst>
+                                </p:cTn>
+                              </p:par>
+                              <p:par>
+                                <p:cTn id="11" presetID="1" presetClass="entr" presetSubtype="0" fill="hold" nodeType="withEffect">
+                                  <p:stCondLst>
+                                    <p:cond delay="0"/>
+                                  </p:stCondLst>
+                                  <p:childTnLst>
+                                    <p:set>
+                                      <p:cBhvr>
+                                        <p:cTn id="12" dur="1" fill="hold">
+                                          <p:stCondLst>
+                                            <p:cond delay="0"/>
+                                          </p:stCondLst>
+                                        </p:cTn>
+                                        <p:tgtEl>
+                                          <p:spTgt spid="3">
+                                            <p:txEl>
+                                              <p:pRg st="2" end="2"/>
+                                            </p:txEl>
+                                          </p:spTgt>
+                                        </p:tgtEl>
+                                        <p:attrNameLst>
+                                          <p:attrName>style.visibility</p:attrName>
+                                        </p:attrNameLst>
+                                      </p:cBhvr>
+                                      <p:to>
+                                        <p:strVal val="visible"/>
+                                      </p:to>
+                                    </p:set>
+                                  </p:childTnLst>
+                                </p:cTn>
+                              </p:par>
+                              <p:par>
+                                <p:cTn id="13" presetID="1" presetClass="entr" presetSubtype="0" fill="hold" nodeType="withEffect">
+                                  <p:stCondLst>
+                                    <p:cond delay="0"/>
+                                  </p:stCondLst>
+                                  <p:childTnLst>
+                                    <p:set>
+                                      <p:cBhvr>
+                                        <p:cTn id="14" dur="1" fill="hold">
+                                          <p:stCondLst>
+                                            <p:cond delay="0"/>
+                                          </p:stCondLst>
+                                        </p:cTn>
+                                        <p:tgtEl>
+                                          <p:spTgt spid="3">
+                                            <p:txEl>
+                                              <p:pRg st="3" end="3"/>
+                                            </p:txEl>
+                                          </p:spTgt>
+                                        </p:tgtEl>
+                                        <p:attrNameLst>
+                                          <p:attrName>style.visibility</p:attrName>
+                                        </p:attrNameLst>
+                                      </p:cBhvr>
+                                      <p:to>
+                                        <p:strVal val="visible"/>
+                                      </p:to>
+                                    </p:set>
+                                  </p:childTnLst>
+                                </p:cTn>
+                              </p:par>
+                              <p:par>
+                                <p:cTn id="15" presetID="1" presetClass="entr" presetSubtype="0" fill="hold" nodeType="withEffect">
+                                  <p:stCondLst>
+                                    <p:cond delay="0"/>
+                                  </p:stCondLst>
+                                  <p:childTnLst>
+                                    <p:set>
+                                      <p:cBhvr>
+                                        <p:cTn id="16" dur="1" fill="hold">
+                                          <p:stCondLst>
+                                            <p:cond delay="0"/>
+                                          </p:stCondLst>
+                                        </p:cTn>
+                                        <p:tgtEl>
+                                          <p:spTgt spid="3">
+                                            <p:txEl>
+                                              <p:pRg st="4" end="4"/>
+                                            </p:txEl>
+                                          </p:spTgt>
+                                        </p:tgtEl>
+                                        <p:attrNameLst>
+                                          <p:attrName>style.visibility</p:attrName>
+                                        </p:attrNameLst>
+                                      </p:cBhvr>
+                                      <p:to>
+                                        <p:strVal val="visible"/>
+                                      </p:to>
+                                    </p:set>
+                                  </p:childTnLst>
+                                </p:cTn>
+                              </p:par>
+                              <p:par>
+                                <p:cTn id="17" presetID="1" presetClass="entr" presetSubtype="0" fill="hold" nodeType="withEffect">
+                                  <p:stCondLst>
+                                    <p:cond delay="0"/>
+                                  </p:stCondLst>
+                                  <p:childTnLst>
+                                    <p:set>
+                                      <p:cBhvr>
+                                        <p:cTn id="18" dur="1" fill="hold">
+                                          <p:stCondLst>
+                                            <p:cond delay="0"/>
+                                          </p:stCondLst>
+                                        </p:cTn>
+                                        <p:tgtEl>
+                                          <p:spTgt spid="3">
+                                            <p:txEl>
+                                              <p:pRg st="5" end="5"/>
+                                            </p:txEl>
+                                          </p:spTgt>
+                                        </p:tgtEl>
+                                        <p:attrNameLst>
+                                          <p:attrName>style.visibility</p:attrName>
+                                        </p:attrNameLst>
+                                      </p:cBhvr>
+                                      <p:to>
+                                        <p:strVal val="visible"/>
+                                      </p:to>
+                                    </p:set>
+                                  </p:childTnLst>
+                                </p:cTn>
+                              </p:par>
+                              <p:par>
+                                <p:cTn id="19" presetID="1" presetClass="entr" presetSubtype="0" fill="hold" nodeType="withEffect">
+                                  <p:stCondLst>
+                                    <p:cond delay="0"/>
+                                  </p:stCondLst>
+                                  <p:childTnLst>
+                                    <p:set>
+                                      <p:cBhvr>
+                                        <p:cTn id="20" dur="1" fill="hold">
+                                          <p:stCondLst>
+                                            <p:cond delay="0"/>
+                                          </p:stCondLst>
+                                        </p:cTn>
+                                        <p:tgtEl>
+                                          <p:spTgt spid="3">
+                                            <p:txEl>
+                                              <p:pRg st="6" end="6"/>
+                                            </p:txEl>
+                                          </p:spTgt>
+                                        </p:tgtEl>
+                                        <p:attrNameLst>
+                                          <p:attrName>style.visibility</p:attrName>
+                                        </p:attrNameLst>
+                                      </p:cBhvr>
+                                      <p:to>
+                                        <p:strVal val="visible"/>
+                                      </p:to>
+                                    </p:set>
+                                  </p:childTnLst>
+                                </p:cTn>
+                              </p:par>
+                              <p:par>
+                                <p:cTn id="21" presetID="1" presetClass="entr" presetSubtype="0" fill="hold" nodeType="withEffect">
+                                  <p:stCondLst>
+                                    <p:cond delay="0"/>
+                                  </p:stCondLst>
+                                  <p:childTnLst>
+                                    <p:set>
+                                      <p:cBhvr>
+                                        <p:cTn id="22" dur="1" fill="hold">
+                                          <p:stCondLst>
+                                            <p:cond delay="0"/>
+                                          </p:stCondLst>
+                                        </p:cTn>
+                                        <p:tgtEl>
+                                          <p:spTgt spid="3">
+                                            <p:txEl>
+                                              <p:pRg st="7" end="7"/>
+                                            </p:txEl>
+                                          </p:spTgt>
+                                        </p:tgtEl>
+                                        <p:attrNameLst>
+                                          <p:attrName>style.visibility</p:attrName>
+                                        </p:attrNameLst>
+                                      </p:cBhvr>
+                                      <p:to>
+                                        <p:strVal val="visible"/>
+                                      </p:to>
+                                    </p:set>
+                                  </p:childTnLst>
+                                </p:cTn>
+                              </p:par>
+                              <p:par>
+                                <p:cTn id="23" presetID="1" presetClass="entr" presetSubtype="0" fill="hold" nodeType="withEffect">
+                                  <p:stCondLst>
+                                    <p:cond delay="0"/>
+                                  </p:stCondLst>
+                                  <p:childTnLst>
+                                    <p:set>
+                                      <p:cBhvr>
+                                        <p:cTn id="24" dur="1" fill="hold">
+                                          <p:stCondLst>
+                                            <p:cond delay="0"/>
+                                          </p:stCondLst>
+                                        </p:cTn>
+                                        <p:tgtEl>
+                                          <p:spTgt spid="3">
+                                            <p:txEl>
+                                              <p:pRg st="8" end="8"/>
+                                            </p:txEl>
+                                          </p:spTgt>
+                                        </p:tgtEl>
+                                        <p:attrNameLst>
+                                          <p:attrName>style.visibility</p:attrName>
+                                        </p:attrNameLst>
+                                      </p:cBhvr>
+                                      <p:to>
+                                        <p:strVal val="visible"/>
+                                      </p:to>
+                                    </p:set>
+                                  </p:childTnLst>
+                                </p:cTn>
+                              </p:par>
+                            </p:childTnLst>
+                          </p:cTn>
+                        </p:par>
+                      </p:childTnLst>
+                    </p:cTn>
+                  </p:par>
+                  <p:par>
+                    <p:cTn id="25" fill="hold">
+                      <p:stCondLst>
+                        <p:cond delay="indefinite"/>
+                      </p:stCondLst>
+                      <p:childTnLst>
+                        <p:par>
+                          <p:cTn id="26" fill="hold">
+                            <p:stCondLst>
+                              <p:cond delay="0"/>
+                            </p:stCondLst>
+                            <p:childTnLst>
+                              <p:par>
+                                <p:cTn id="27" presetID="1" presetClass="entr" presetSubtype="0" fill="hold" nodeType="clickEffect">
+                                  <p:stCondLst>
+                                    <p:cond delay="0"/>
+                                  </p:stCondLst>
+                                  <p:childTnLst>
+                                    <p:set>
+                                      <p:cBhvr>
+                                        <p:cTn id="28" dur="1" fill="hold">
+                                          <p:stCondLst>
+                                            <p:cond delay="0"/>
+                                          </p:stCondLst>
+                                        </p:cTn>
+                                        <p:tgtEl>
+                                          <p:spTgt spid="5">
+                                            <p:txEl>
+                                              <p:pRg st="0" end="0"/>
+                                            </p:txEl>
+                                          </p:spTgt>
+                                        </p:tgtEl>
+                                        <p:attrNameLst>
+                                          <p:attrName>style.visibility</p:attrName>
+                                        </p:attrNameLst>
+                                      </p:cBhvr>
+                                      <p:to>
+                                        <p:strVal val="visible"/>
+                                      </p:to>
+                                    </p:set>
+                                  </p:childTnLst>
+                                </p:cTn>
+                              </p:par>
+                            </p:childTnLst>
+                          </p:cTn>
+                        </p:par>
+                      </p:childTnLst>
+                    </p:cTn>
+                  </p:par>
+                  <p:par>
+                    <p:cTn id="29" fill="hold">
+                      <p:stCondLst>
+                        <p:cond delay="indefinite"/>
+                      </p:stCondLst>
+                      <p:childTnLst>
+                        <p:par>
+                          <p:cTn id="30" fill="hold">
+                            <p:stCondLst>
+                              <p:cond delay="0"/>
+                            </p:stCondLst>
+                            <p:childTnLst>
+                              <p:par>
+                                <p:cTn id="31" presetID="1" presetClass="entr" presetSubtype="0" fill="hold" nodeType="clickEffect">
+                                  <p:stCondLst>
+                                    <p:cond delay="0"/>
+                                  </p:stCondLst>
+                                  <p:childTnLst>
+                                    <p:set>
+                                      <p:cBhvr>
+                                        <p:cTn id="32" dur="1" fill="hold">
+                                          <p:stCondLst>
+                                            <p:cond delay="0"/>
+                                          </p:stCondLst>
+                                        </p:cTn>
+                                        <p:tgtEl>
+                                          <p:spTgt spid="5">
+                                            <p:txEl>
+                                              <p:pRg st="1" end="1"/>
+                                            </p:txEl>
+                                          </p:spTgt>
+                                        </p:tgtEl>
+                                        <p:attrNameLst>
+                                          <p:attrName>style.visibility</p:attrName>
+                                        </p:attrNameLst>
+                                      </p:cBhvr>
+                                      <p:to>
+                                        <p:strVal val="visible"/>
+                                      </p:to>
+                                    </p:set>
+                                  </p:childTnLst>
+                                </p:cTn>
+                              </p:par>
+                            </p:childTnLst>
+                          </p:cTn>
+                        </p:par>
+                      </p:childTnLst>
+                    </p:cTn>
+                  </p:par>
+                  <p:par>
+                    <p:cTn id="33" fill="hold">
+                      <p:stCondLst>
+                        <p:cond delay="indefinite"/>
+                      </p:stCondLst>
+                      <p:childTnLst>
+                        <p:par>
+                          <p:cTn id="34" fill="hold">
+                            <p:stCondLst>
+                              <p:cond delay="0"/>
+                            </p:stCondLst>
+                            <p:childTnLst>
+                              <p:par>
+                                <p:cTn id="35" presetID="1" presetClass="entr" presetSubtype="0" fill="hold" nodeType="clickEffect">
+                                  <p:stCondLst>
+                                    <p:cond delay="0"/>
+                                  </p:stCondLst>
+                                  <p:childTnLst>
+                                    <p:set>
+                                      <p:cBhvr>
+                                        <p:cTn id="36" dur="1" fill="hold">
+                                          <p:stCondLst>
+                                            <p:cond delay="0"/>
+                                          </p:stCondLst>
+                                        </p:cTn>
+                                        <p:tgtEl>
+                                          <p:spTgt spid="5">
+                                            <p:txEl>
+                                              <p:pRg st="2" end="2"/>
+                                            </p:txEl>
+                                          </p:spTgt>
+                                        </p:tgtEl>
+                                        <p:attrNameLst>
+                                          <p:attrName>style.visibility</p:attrName>
+                                        </p:attrNameLst>
+                                      </p:cBhvr>
+                                      <p:to>
+                                        <p:strVal val="visible"/>
+                                      </p:to>
+                                    </p:set>
+                                  </p:childTnLst>
+                                </p:cTn>
+                              </p:par>
+                              <p:par>
+                                <p:cTn id="37" presetID="1" presetClass="entr" presetSubtype="0" fill="hold" nodeType="withEffect">
+                                  <p:stCondLst>
+                                    <p:cond delay="0"/>
+                                  </p:stCondLst>
+                                  <p:childTnLst>
+                                    <p:set>
+                                      <p:cBhvr>
+                                        <p:cTn id="38" dur="1" fill="hold">
+                                          <p:stCondLst>
+                                            <p:cond delay="0"/>
+                                          </p:stCondLst>
+                                        </p:cTn>
+                                        <p:tgtEl>
+                                          <p:spTgt spid="5">
+                                            <p:txEl>
+                                              <p:pRg st="3" end="3"/>
+                                            </p:txEl>
+                                          </p:spTgt>
+                                        </p:tgtEl>
+                                        <p:attrNameLst>
+                                          <p:attrName>style.visibility</p:attrName>
+                                        </p:attrNameLst>
+                                      </p:cBhvr>
+                                      <p:to>
+                                        <p:strVal val="visible"/>
+                                      </p:to>
+                                    </p:set>
+                                  </p:childTnLst>
+                                </p:cTn>
+                              </p:par>
+                              <p:par>
+                                <p:cTn id="39" presetID="1" presetClass="entr" presetSubtype="0" fill="hold" nodeType="withEffect">
+                                  <p:stCondLst>
+                                    <p:cond delay="0"/>
+                                  </p:stCondLst>
+                                  <p:childTnLst>
+                                    <p:set>
+                                      <p:cBhvr>
+                                        <p:cTn id="40" dur="1" fill="hold">
+                                          <p:stCondLst>
+                                            <p:cond delay="0"/>
+                                          </p:stCondLst>
+                                        </p:cTn>
+                                        <p:tgtEl>
+                                          <p:spTgt spid="5">
+                                            <p:txEl>
+                                              <p:pRg st="4" end="4"/>
+                                            </p:txEl>
+                                          </p:spTgt>
+                                        </p:tgtEl>
+                                        <p:attrNameLst>
+                                          <p:attrName>style.visibility</p:attrName>
+                                        </p:attrNameLst>
+                                      </p:cBhvr>
+                                      <p:to>
+                                        <p:strVal val="visible"/>
+                                      </p:to>
+                                    </p:set>
+                                  </p:childTnLst>
+                                </p:cTn>
+                              </p:par>
+                              <p:par>
+                                <p:cTn id="41" presetID="1" presetClass="entr" presetSubtype="0" fill="hold" nodeType="withEffect">
+                                  <p:stCondLst>
+                                    <p:cond delay="0"/>
+                                  </p:stCondLst>
+                                  <p:childTnLst>
+                                    <p:set>
+                                      <p:cBhvr>
+                                        <p:cTn id="42" dur="1" fill="hold">
+                                          <p:stCondLst>
+                                            <p:cond delay="0"/>
+                                          </p:stCondLst>
+                                        </p:cTn>
+                                        <p:tgtEl>
+                                          <p:spTgt spid="5">
+                                            <p:txEl>
+                                              <p:pRg st="5" end="5"/>
+                                            </p:txEl>
+                                          </p:spTgt>
                                         </p:tgtEl>
                                         <p:attrNameLst>
                                           <p:attrName>style.visibility</p:attrName>
@@ -5555,9 +6288,6 @@
         </p:cTn>
       </p:par>
     </p:tnLst>
-    <p:bldLst>
-      <p:bldP spid="5" grpId="0"/>
-    </p:bldLst>
   </p:timing>
 </p:sld>
 </file>
@@ -6196,7 +6926,15 @@
                 </a:r>
                 <a:r>
                   <a:rPr lang="en-US" dirty="0"/>
-                  <a:t> supercar 0.15.</a:t>
+                  <a:t> </a:t>
+                </a:r>
+                <a:r>
+                  <a:rPr lang="en-US" dirty="0" err="1"/>
+                  <a:t>superar</a:t>
+                </a:r>
+                <a:r>
+                  <a:rPr lang="en-US" dirty="0"/>
+                  <a:t> 0.15.</a:t>
                 </a:r>
               </a:p>
               <a:p>
@@ -6622,7 +7360,15 @@
             </a:r>
             <a:r>
               <a:rPr lang="en-US" dirty="0"/>
-              <a:t> no interval de </a:t>
+              <a:t> no </a:t>
+            </a:r>
+            <a:r>
+              <a:rPr lang="en-US" dirty="0" err="1"/>
+              <a:t>intervalo</a:t>
+            </a:r>
+            <a:r>
+              <a:rPr lang="en-US" dirty="0"/>
+              <a:t> de </a:t>
             </a:r>
             <a:r>
               <a:rPr lang="en-US" dirty="0" err="1"/>
@@ -6925,12 +7671,17 @@
             </a:r>
             <a:r>
               <a:rPr lang="en-US" b="1" dirty="0" err="1"/>
-              <a:t>Preditor</a:t>
+              <a:t>Retorno</a:t>
             </a:r>
             <a:r>
               <a:rPr lang="en-US" b="1" dirty="0"/>
-              <a:t> Naïve </a:t>
-            </a:r>
+              <a:t> </a:t>
+            </a:r>
+            <a:r>
+              <a:rPr lang="en-US" b="1" dirty="0" err="1"/>
+              <a:t>Acumulado</a:t>
+            </a:r>
+            <a:endParaRPr lang="en-US" b="1" dirty="0"/>
           </a:p>
         </p:txBody>
       </p:sp>
@@ -6966,12 +7717,8 @@
               <a:buNone/>
             </a:pPr>
             <a:r>
-              <a:rPr lang="en-US" dirty="0" err="1"/>
-              <a:t>Treino</a:t>
-            </a:r>
-            <a:r>
-              <a:rPr lang="en-US" dirty="0"/>
-              <a:t>:</a:t>
+              <a:rPr lang="en-US" dirty="0"/>
+              <a:t>Naïve Teste:</a:t>
             </a:r>
           </a:p>
           <a:p>
@@ -7297,7 +8044,7 @@
             </a:pPr>
             <a:r>
               <a:rPr lang="en-US" dirty="0"/>
-              <a:t>Teste:</a:t>
+              <a:t>Prophet Teste:</a:t>
             </a:r>
           </a:p>
           <a:p>
@@ -7354,10 +8101,10 @@
       </p:cxnSp>
       <p:pic>
         <p:nvPicPr>
-          <p:cNvPr id="8" name="Imagem 7" descr="Gráfico, Gráfico de linhas&#10;&#10;Descrição gerada automaticamente">
+          <p:cNvPr id="11" name="Imagem 10" descr="Gráfico, Gráfico de linhas&#10;&#10;Descrição gerada automaticamente">
             <a:extLst>
               <a:ext uri="{FF2B5EF4-FFF2-40B4-BE49-F238E27FC236}">
-                <a16:creationId xmlns:a16="http://schemas.microsoft.com/office/drawing/2014/main" id="{A875C5A2-062F-5026-A761-B49E0DA2B0EC}"/>
+                <a16:creationId xmlns:a16="http://schemas.microsoft.com/office/drawing/2014/main" id="{1791A010-57CF-EDFB-E162-B03F4131499C}"/>
               </a:ext>
             </a:extLst>
           </p:cNvPr>
@@ -7380,8 +8127,8 @@
         </p:blipFill>
         <p:spPr>
           <a:xfrm>
-            <a:off x="136318" y="2409913"/>
-            <a:ext cx="5869383" cy="3042303"/>
+            <a:off x="139588" y="2519118"/>
+            <a:ext cx="5839619" cy="3042000"/>
           </a:xfrm>
           <a:prstGeom prst="rect">
             <a:avLst/>
@@ -7390,10 +8137,10 @@
       </p:pic>
       <p:pic>
         <p:nvPicPr>
-          <p:cNvPr id="10" name="Imagem 9" descr="Uma imagem contendo Interface gráfica do usuário&#10;&#10;Descrição gerada automaticamente">
+          <p:cNvPr id="13" name="Imagem 12" descr="Gráfico, Gráfico de linhas&#10;&#10;Descrição gerada automaticamente">
             <a:extLst>
               <a:ext uri="{FF2B5EF4-FFF2-40B4-BE49-F238E27FC236}">
-                <a16:creationId xmlns:a16="http://schemas.microsoft.com/office/drawing/2014/main" id="{2CAF5C09-560A-7689-71E0-17086F99A84B}"/>
+                <a16:creationId xmlns:a16="http://schemas.microsoft.com/office/drawing/2014/main" id="{400A1CAE-E3A2-732C-F7C4-D53AFFFFD2E1}"/>
               </a:ext>
             </a:extLst>
           </p:cNvPr>
@@ -7416,8 +8163,8 @@
         </p:blipFill>
         <p:spPr>
           <a:xfrm>
-            <a:off x="6239286" y="2410216"/>
-            <a:ext cx="5868798" cy="3042000"/>
+            <a:off x="6244984" y="2519118"/>
+            <a:ext cx="5835971" cy="3042000"/>
           </a:xfrm>
           <a:prstGeom prst="rect">
             <a:avLst/>
@@ -7486,7 +8233,31 @@
             </a:r>
             <a:r>
               <a:rPr lang="en-US" b="1" dirty="0"/>
-              <a:t> – Prophet</a:t>
+              <a:t> – </a:t>
+            </a:r>
+            <a:r>
+              <a:rPr lang="en-US" b="1" dirty="0" err="1"/>
+              <a:t>Em</a:t>
+            </a:r>
+            <a:r>
+              <a:rPr lang="en-US" b="1" dirty="0"/>
+              <a:t> </a:t>
+            </a:r>
+            <a:r>
+              <a:rPr lang="en-US" b="1" dirty="0" err="1"/>
+              <a:t>relação</a:t>
+            </a:r>
+            <a:r>
+              <a:rPr lang="en-US" b="1" dirty="0"/>
+              <a:t> </a:t>
+            </a:r>
+            <a:r>
+              <a:rPr lang="en-US" b="1" dirty="0" err="1"/>
+              <a:t>ao</a:t>
+            </a:r>
+            <a:r>
+              <a:rPr lang="en-US" b="1" dirty="0"/>
+              <a:t> BOVESPA</a:t>
             </a:r>
           </a:p>
         </p:txBody>
@@ -7523,12 +8294,8 @@
               <a:buNone/>
             </a:pPr>
             <a:r>
-              <a:rPr lang="en-US" dirty="0" err="1"/>
-              <a:t>Treino</a:t>
-            </a:r>
-            <a:r>
-              <a:rPr lang="en-US" dirty="0"/>
-              <a:t>:</a:t>
+              <a:rPr lang="en-US" dirty="0"/>
+              <a:t>Naïve Teste:</a:t>
             </a:r>
           </a:p>
           <a:p>
@@ -7854,15 +8621,8 @@
             </a:pPr>
             <a:r>
               <a:rPr lang="en-US" dirty="0"/>
-              <a:t>Teste:</a:t>
-            </a:r>
-          </a:p>
-          <a:p>
-            <a:pPr marL="201168" lvl="1" indent="0" algn="just">
-              <a:buFont typeface="Calibri" pitchFamily="34" charset="0"/>
-              <a:buNone/>
-            </a:pPr>
-            <a:endParaRPr lang="en-US" dirty="0"/>
+              <a:t>Prophet Teste:</a:t>
+            </a:r>
           </a:p>
           <a:p>
             <a:pPr marL="201168" lvl="1" indent="0" algn="just">
@@ -7918,10 +8678,10 @@
       </p:cxnSp>
       <p:pic>
         <p:nvPicPr>
-          <p:cNvPr id="9" name="Imagem 8" descr="Gráfico&#10;&#10;Descrição gerada automaticamente">
+          <p:cNvPr id="10" name="Imagem 9" descr="Uma imagem contendo Interface gráfica do usuário&#10;&#10;Descrição gerada automaticamente">
             <a:extLst>
               <a:ext uri="{FF2B5EF4-FFF2-40B4-BE49-F238E27FC236}">
-                <a16:creationId xmlns:a16="http://schemas.microsoft.com/office/drawing/2014/main" id="{4D233894-232C-9EEF-D53E-48672BF46F1E}"/>
+                <a16:creationId xmlns:a16="http://schemas.microsoft.com/office/drawing/2014/main" id="{2CAF5C09-560A-7689-71E0-17086F99A84B}"/>
               </a:ext>
             </a:extLst>
           </p:cNvPr>
@@ -7944,8 +8704,8 @@
         </p:blipFill>
         <p:spPr>
           <a:xfrm>
-            <a:off x="165194" y="2519118"/>
-            <a:ext cx="5930806" cy="3042000"/>
+            <a:off x="110410" y="2519118"/>
+            <a:ext cx="5868798" cy="3042000"/>
           </a:xfrm>
           <a:prstGeom prst="rect">
             <a:avLst/>
@@ -7954,10 +8714,10 @@
       </p:pic>
       <p:pic>
         <p:nvPicPr>
-          <p:cNvPr id="12" name="Imagem 11" descr="Gráfico, Gráfico de linhas&#10;&#10;Descrição gerada automaticamente">
+          <p:cNvPr id="6" name="Imagem 5" descr="Gráfico, Gráfico de linhas&#10;&#10;Descrição gerada automaticamente">
             <a:extLst>
               <a:ext uri="{FF2B5EF4-FFF2-40B4-BE49-F238E27FC236}">
-                <a16:creationId xmlns:a16="http://schemas.microsoft.com/office/drawing/2014/main" id="{B6B79DBE-A52F-883A-882A-530270269A9F}"/>
+                <a16:creationId xmlns:a16="http://schemas.microsoft.com/office/drawing/2014/main" id="{1B51B641-6514-8D2A-45A9-7125AF14D017}"/>
               </a:ext>
             </a:extLst>
           </p:cNvPr>
@@ -7991,7 +8751,7 @@
     </p:spTree>
     <p:extLst>
       <p:ext uri="{BB962C8B-B14F-4D97-AF65-F5344CB8AC3E}">
-        <p14:creationId xmlns:p14="http://schemas.microsoft.com/office/powerpoint/2010/main" val="1614598831"/>
+        <p14:creationId xmlns:p14="http://schemas.microsoft.com/office/powerpoint/2010/main" val="2455147742"/>
       </p:ext>
     </p:extLst>
   </p:cSld>
